--- a/ppt/3차 발표.pptx
+++ b/ppt/3차 발표.pptx
@@ -200,7 +200,7 @@
           <a:p>
             <a:fld id="{E4DC5699-1787-4611-B2BA-A032124F22B6}" type="datetimeFigureOut">
               <a:rPr lang="ko-KR" altLang="en-US" smtClean="0"/>
-              <a:t>2022-11-17</a:t>
+              <a:t>2022-11-18</a:t>
             </a:fld>
             <a:endParaRPr lang="ko-KR" altLang="en-US"/>
           </a:p>
@@ -782,7 +782,7 @@
           <a:p>
             <a:fld id="{B4BB169F-B13A-484C-8203-95481BA86948}" type="datetimeFigureOut">
               <a:rPr lang="ko-KR" altLang="en-US" smtClean="0"/>
-              <a:t>2022-11-17</a:t>
+              <a:t>2022-11-18</a:t>
             </a:fld>
             <a:endParaRPr lang="ko-KR" altLang="en-US"/>
           </a:p>
@@ -980,7 +980,7 @@
           <a:p>
             <a:fld id="{B4BB169F-B13A-484C-8203-95481BA86948}" type="datetimeFigureOut">
               <a:rPr lang="ko-KR" altLang="en-US" smtClean="0"/>
-              <a:t>2022-11-17</a:t>
+              <a:t>2022-11-18</a:t>
             </a:fld>
             <a:endParaRPr lang="ko-KR" altLang="en-US"/>
           </a:p>
@@ -1188,7 +1188,7 @@
           <a:p>
             <a:fld id="{B4BB169F-B13A-484C-8203-95481BA86948}" type="datetimeFigureOut">
               <a:rPr lang="ko-KR" altLang="en-US" smtClean="0"/>
-              <a:t>2022-11-17</a:t>
+              <a:t>2022-11-18</a:t>
             </a:fld>
             <a:endParaRPr lang="ko-KR" altLang="en-US"/>
           </a:p>
@@ -1386,7 +1386,7 @@
           <a:p>
             <a:fld id="{B4BB169F-B13A-484C-8203-95481BA86948}" type="datetimeFigureOut">
               <a:rPr lang="ko-KR" altLang="en-US" smtClean="0"/>
-              <a:t>2022-11-17</a:t>
+              <a:t>2022-11-18</a:t>
             </a:fld>
             <a:endParaRPr lang="ko-KR" altLang="en-US"/>
           </a:p>
@@ -1661,7 +1661,7 @@
           <a:p>
             <a:fld id="{B4BB169F-B13A-484C-8203-95481BA86948}" type="datetimeFigureOut">
               <a:rPr lang="ko-KR" altLang="en-US" smtClean="0"/>
-              <a:t>2022-11-17</a:t>
+              <a:t>2022-11-18</a:t>
             </a:fld>
             <a:endParaRPr lang="ko-KR" altLang="en-US"/>
           </a:p>
@@ -1926,7 +1926,7 @@
           <a:p>
             <a:fld id="{B4BB169F-B13A-484C-8203-95481BA86948}" type="datetimeFigureOut">
               <a:rPr lang="ko-KR" altLang="en-US" smtClean="0"/>
-              <a:t>2022-11-17</a:t>
+              <a:t>2022-11-18</a:t>
             </a:fld>
             <a:endParaRPr lang="ko-KR" altLang="en-US"/>
           </a:p>
@@ -2338,7 +2338,7 @@
           <a:p>
             <a:fld id="{B4BB169F-B13A-484C-8203-95481BA86948}" type="datetimeFigureOut">
               <a:rPr lang="ko-KR" altLang="en-US" smtClean="0"/>
-              <a:t>2022-11-17</a:t>
+              <a:t>2022-11-18</a:t>
             </a:fld>
             <a:endParaRPr lang="ko-KR" altLang="en-US"/>
           </a:p>
@@ -2479,7 +2479,7 @@
           <a:p>
             <a:fld id="{B4BB169F-B13A-484C-8203-95481BA86948}" type="datetimeFigureOut">
               <a:rPr lang="ko-KR" altLang="en-US" smtClean="0"/>
-              <a:t>2022-11-17</a:t>
+              <a:t>2022-11-18</a:t>
             </a:fld>
             <a:endParaRPr lang="ko-KR" altLang="en-US"/>
           </a:p>
@@ -2592,7 +2592,7 @@
           <a:p>
             <a:fld id="{B4BB169F-B13A-484C-8203-95481BA86948}" type="datetimeFigureOut">
               <a:rPr lang="ko-KR" altLang="en-US" smtClean="0"/>
-              <a:t>2022-11-17</a:t>
+              <a:t>2022-11-18</a:t>
             </a:fld>
             <a:endParaRPr lang="ko-KR" altLang="en-US"/>
           </a:p>
@@ -2903,7 +2903,7 @@
           <a:p>
             <a:fld id="{B4BB169F-B13A-484C-8203-95481BA86948}" type="datetimeFigureOut">
               <a:rPr lang="ko-KR" altLang="en-US" smtClean="0"/>
-              <a:t>2022-11-17</a:t>
+              <a:t>2022-11-18</a:t>
             </a:fld>
             <a:endParaRPr lang="ko-KR" altLang="en-US"/>
           </a:p>
@@ -3191,7 +3191,7 @@
           <a:p>
             <a:fld id="{B4BB169F-B13A-484C-8203-95481BA86948}" type="datetimeFigureOut">
               <a:rPr lang="ko-KR" altLang="en-US" smtClean="0"/>
-              <a:t>2022-11-17</a:t>
+              <a:t>2022-11-18</a:t>
             </a:fld>
             <a:endParaRPr lang="ko-KR" altLang="en-US"/>
           </a:p>
@@ -3432,7 +3432,7 @@
           <a:p>
             <a:fld id="{B4BB169F-B13A-484C-8203-95481BA86948}" type="datetimeFigureOut">
               <a:rPr lang="ko-KR" altLang="en-US" smtClean="0"/>
-              <a:t>2022-11-17</a:t>
+              <a:t>2022-11-18</a:t>
             </a:fld>
             <a:endParaRPr lang="ko-KR" altLang="en-US"/>
           </a:p>
@@ -4021,1207 +4021,6 @@
           <a:chExt cx="0" cy="0"/>
         </a:xfrm>
       </p:grpSpPr>
-      <p:graphicFrame>
-        <p:nvGraphicFramePr>
-          <p:cNvPr id="6" name="표 6">
-            <a:extLst>
-              <a:ext uri="{FF2B5EF4-FFF2-40B4-BE49-F238E27FC236}">
-                <a16:creationId xmlns:a16="http://schemas.microsoft.com/office/drawing/2014/main" id="{88C64E43-AC85-4858-5BE6-C48695C1A795}"/>
-              </a:ext>
-            </a:extLst>
-          </p:cNvPr>
-          <p:cNvGraphicFramePr>
-            <a:graphicFrameLocks noGrp="1"/>
-          </p:cNvGraphicFramePr>
-          <p:nvPr>
-            <p:extLst>
-              <p:ext uri="{D42A27DB-BD31-4B8C-83A1-F6EECF244321}">
-                <p14:modId xmlns:p14="http://schemas.microsoft.com/office/powerpoint/2010/main" val="3271717439"/>
-              </p:ext>
-            </p:extLst>
-          </p:nvPr>
-        </p:nvGraphicFramePr>
-        <p:xfrm>
-          <a:off x="301657" y="923827"/>
-          <a:ext cx="11588686" cy="5699331"/>
-        </p:xfrm>
-        <a:graphic>
-          <a:graphicData uri="http://schemas.openxmlformats.org/drawingml/2006/table">
-            <a:tbl>
-              <a:tblPr firstRow="1" bandRow="1">
-                <a:tableStyleId>{5C22544A-7EE6-4342-B048-85BDC9FD1C3A}</a:tableStyleId>
-              </a:tblPr>
-              <a:tblGrid>
-                <a:gridCol w="1549986">
-                  <a:extLst>
-                    <a:ext uri="{9D8B030D-6E8A-4147-A177-3AD203B41FA5}">
-                      <a16:colId xmlns:a16="http://schemas.microsoft.com/office/drawing/2014/main" val="1583258627"/>
-                    </a:ext>
-                  </a:extLst>
-                </a:gridCol>
-                <a:gridCol w="3191536">
-                  <a:extLst>
-                    <a:ext uri="{9D8B030D-6E8A-4147-A177-3AD203B41FA5}">
-                      <a16:colId xmlns:a16="http://schemas.microsoft.com/office/drawing/2014/main" val="1199388988"/>
-                    </a:ext>
-                  </a:extLst>
-                </a:gridCol>
-                <a:gridCol w="6847164">
-                  <a:extLst>
-                    <a:ext uri="{9D8B030D-6E8A-4147-A177-3AD203B41FA5}">
-                      <a16:colId xmlns:a16="http://schemas.microsoft.com/office/drawing/2014/main" val="1103799924"/>
-                    </a:ext>
-                  </a:extLst>
-                </a:gridCol>
-              </a:tblGrid>
-              <a:tr h="605554">
-                <a:tc>
-                  <a:txBody>
-                    <a:bodyPr/>
-                    <a:lstStyle/>
-                    <a:p>
-                      <a:pPr algn="ctr" latinLnBrk="1"/>
-                      <a:r>
-                        <a:rPr lang="en-US" altLang="ko-KR" sz="1400" dirty="0">
-                          <a:solidFill>
-                            <a:schemeClr val="bg1"/>
-                          </a:solidFill>
-                        </a:rPr>
-                        <a:t>1</a:t>
-                      </a:r>
-                      <a:r>
-                        <a:rPr lang="ko-KR" altLang="en-US" sz="1400" dirty="0">
-                          <a:solidFill>
-                            <a:schemeClr val="bg1"/>
-                          </a:solidFill>
-                        </a:rPr>
-                        <a:t>주차</a:t>
-                      </a:r>
-                    </a:p>
-                  </a:txBody>
-                  <a:tcPr/>
-                </a:tc>
-                <a:tc>
-                  <a:txBody>
-                    <a:bodyPr/>
-                    <a:lstStyle/>
-                    <a:p>
-                      <a:pPr algn="ctr" latinLnBrk="1"/>
-                      <a:r>
-                        <a:rPr lang="ko-KR" altLang="en-US" sz="1400" dirty="0">
-                          <a:solidFill>
-                            <a:schemeClr val="bg1"/>
-                          </a:solidFill>
-                        </a:rPr>
-                        <a:t>리소스 수집</a:t>
-                      </a:r>
-                    </a:p>
-                  </a:txBody>
-                  <a:tcPr/>
-                </a:tc>
-                <a:tc>
-                  <a:txBody>
-                    <a:bodyPr/>
-                    <a:lstStyle/>
-                    <a:p>
-                      <a:pPr marL="342900" indent="-342900" algn="ctr" latinLnBrk="1">
-                        <a:buAutoNum type="arabicPeriod"/>
-                      </a:pPr>
-                      <a:r>
-                        <a:rPr lang="ko-KR" altLang="en-US" sz="1400" dirty="0">
-                          <a:solidFill>
-                            <a:schemeClr val="bg1"/>
-                          </a:solidFill>
-                        </a:rPr>
-                        <a:t>게임에 필요한 리소스 수집 </a:t>
-                      </a:r>
-                      <a:endParaRPr lang="en-US" altLang="ko-KR" sz="1400" dirty="0">
-                        <a:solidFill>
-                          <a:schemeClr val="bg1"/>
-                        </a:solidFill>
-                      </a:endParaRPr>
-                    </a:p>
-                    <a:p>
-                      <a:pPr marL="342900" indent="-342900" algn="ctr" latinLnBrk="1">
-                        <a:buAutoNum type="arabicPeriod"/>
-                      </a:pPr>
-                      <a:r>
-                        <a:rPr lang="ko-KR" altLang="en-US" sz="1400" dirty="0">
-                          <a:solidFill>
-                            <a:schemeClr val="bg1"/>
-                          </a:solidFill>
-                        </a:rPr>
-                        <a:t>뼈대 구성</a:t>
-                      </a:r>
-                      <a:endParaRPr lang="en-US" altLang="ko-KR" sz="1400" dirty="0">
-                        <a:solidFill>
-                          <a:schemeClr val="bg1"/>
-                        </a:solidFill>
-                      </a:endParaRPr>
-                    </a:p>
-                  </a:txBody>
-                  <a:tcPr/>
-                </a:tc>
-                <a:extLst>
-                  <a:ext uri="{0D108BD9-81ED-4DB2-BD59-A6C34878D82A}">
-                    <a16:rowId xmlns:a16="http://schemas.microsoft.com/office/drawing/2014/main" val="1619780138"/>
-                  </a:ext>
-                </a:extLst>
-              </a:tr>
-              <a:tr h="605554">
-                <a:tc>
-                  <a:txBody>
-                    <a:bodyPr/>
-                    <a:lstStyle/>
-                    <a:p>
-                      <a:pPr algn="ctr" latinLnBrk="1"/>
-                      <a:r>
-                        <a:rPr lang="en-US" altLang="ko-KR" sz="1400" dirty="0">
-                          <a:solidFill>
-                            <a:schemeClr val="tx1"/>
-                          </a:solidFill>
-                        </a:rPr>
-                        <a:t>2</a:t>
-                      </a:r>
-                      <a:r>
-                        <a:rPr lang="ko-KR" altLang="en-US" sz="1400" dirty="0">
-                          <a:solidFill>
-                            <a:schemeClr val="tx1"/>
-                          </a:solidFill>
-                        </a:rPr>
-                        <a:t>주차</a:t>
-                      </a:r>
-                    </a:p>
-                  </a:txBody>
-                  <a:tcPr/>
-                </a:tc>
-                <a:tc>
-                  <a:txBody>
-                    <a:bodyPr/>
-                    <a:lstStyle/>
-                    <a:p>
-                      <a:pPr algn="ctr" latinLnBrk="1"/>
-                      <a:r>
-                        <a:rPr lang="en-US" altLang="ko-KR" sz="1400" dirty="0">
-                          <a:solidFill>
-                            <a:schemeClr val="tx1"/>
-                          </a:solidFill>
-                        </a:rPr>
-                        <a:t>1p </a:t>
-                      </a:r>
-                      <a:r>
-                        <a:rPr lang="ko-KR" altLang="en-US" sz="1400" dirty="0">
-                          <a:solidFill>
-                            <a:schemeClr val="tx1"/>
-                          </a:solidFill>
-                        </a:rPr>
-                        <a:t>플레이어 오브젝트</a:t>
-                      </a:r>
-                    </a:p>
-                  </a:txBody>
-                  <a:tcPr/>
-                </a:tc>
-                <a:tc>
-                  <a:txBody>
-                    <a:bodyPr/>
-                    <a:lstStyle/>
-                    <a:p>
-                      <a:pPr marL="342900" indent="-342900" algn="ctr" latinLnBrk="1">
-                        <a:buAutoNum type="arabicPeriod"/>
-                      </a:pPr>
-                      <a:r>
-                        <a:rPr lang="ko-KR" altLang="en-US" sz="1400" dirty="0">
-                          <a:solidFill>
-                            <a:schemeClr val="tx1"/>
-                          </a:solidFill>
-                        </a:rPr>
-                        <a:t>플레이어 캐릭터 배치</a:t>
-                      </a:r>
-                      <a:endParaRPr lang="en-US" altLang="ko-KR" sz="1400" dirty="0">
-                        <a:solidFill>
-                          <a:schemeClr val="tx1"/>
-                        </a:solidFill>
-                      </a:endParaRPr>
-                    </a:p>
-                    <a:p>
-                      <a:pPr marL="0" indent="0" algn="ctr" latinLnBrk="1">
-                        <a:buNone/>
-                      </a:pPr>
-                      <a:r>
-                        <a:rPr lang="en-US" altLang="ko-KR" sz="1400" dirty="0">
-                          <a:solidFill>
-                            <a:schemeClr val="tx1"/>
-                          </a:solidFill>
-                        </a:rPr>
-                        <a:t>2. </a:t>
-                      </a:r>
-                      <a:r>
-                        <a:rPr lang="ko-KR" altLang="en-US" sz="1400" dirty="0">
-                          <a:solidFill>
-                            <a:schemeClr val="tx1"/>
-                          </a:solidFill>
-                        </a:rPr>
-                        <a:t>키보드 입력 시 이동 설정 </a:t>
-                      </a:r>
-                    </a:p>
-                  </a:txBody>
-                  <a:tcPr/>
-                </a:tc>
-                <a:extLst>
-                  <a:ext uri="{0D108BD9-81ED-4DB2-BD59-A6C34878D82A}">
-                    <a16:rowId xmlns:a16="http://schemas.microsoft.com/office/drawing/2014/main" val="3408752207"/>
-                  </a:ext>
-                </a:extLst>
-              </a:tr>
-              <a:tr h="605554">
-                <a:tc>
-                  <a:txBody>
-                    <a:bodyPr/>
-                    <a:lstStyle/>
-                    <a:p>
-                      <a:pPr algn="ctr" latinLnBrk="1"/>
-                      <a:r>
-                        <a:rPr lang="en-US" altLang="ko-KR" sz="1400" dirty="0">
-                          <a:solidFill>
-                            <a:schemeClr val="tx1"/>
-                          </a:solidFill>
-                        </a:rPr>
-                        <a:t>3</a:t>
-                      </a:r>
-                      <a:r>
-                        <a:rPr lang="ko-KR" altLang="en-US" sz="1400" dirty="0">
-                          <a:solidFill>
-                            <a:schemeClr val="tx1"/>
-                          </a:solidFill>
-                        </a:rPr>
-                        <a:t>주차</a:t>
-                      </a:r>
-                    </a:p>
-                  </a:txBody>
-                  <a:tcPr/>
-                </a:tc>
-                <a:tc>
-                  <a:txBody>
-                    <a:bodyPr/>
-                    <a:lstStyle/>
-                    <a:p>
-                      <a:pPr algn="ctr" latinLnBrk="1"/>
-                      <a:r>
-                        <a:rPr lang="en-US" altLang="ko-KR" sz="1400" dirty="0">
-                          <a:solidFill>
-                            <a:schemeClr val="tx1"/>
-                          </a:solidFill>
-                        </a:rPr>
-                        <a:t>2p </a:t>
-                      </a:r>
-                      <a:r>
-                        <a:rPr lang="ko-KR" altLang="en-US" sz="1400" dirty="0">
-                          <a:solidFill>
-                            <a:schemeClr val="tx1"/>
-                          </a:solidFill>
-                        </a:rPr>
-                        <a:t>플레이어 오브젝트 </a:t>
-                      </a:r>
-                    </a:p>
-                  </a:txBody>
-                  <a:tcPr/>
-                </a:tc>
-                <a:tc>
-                  <a:txBody>
-                    <a:bodyPr/>
-                    <a:lstStyle/>
-                    <a:p>
-                      <a:pPr marL="342900" indent="-342900" algn="ctr" latinLnBrk="1">
-                        <a:buAutoNum type="arabicPeriod"/>
-                      </a:pPr>
-                      <a:r>
-                        <a:rPr lang="en-US" altLang="ko-KR" sz="1400" dirty="0">
-                          <a:solidFill>
-                            <a:schemeClr val="tx1"/>
-                          </a:solidFill>
-                        </a:rPr>
-                        <a:t>2p </a:t>
-                      </a:r>
-                      <a:r>
-                        <a:rPr lang="ko-KR" altLang="en-US" sz="1400" dirty="0">
-                          <a:solidFill>
-                            <a:schemeClr val="tx1"/>
-                          </a:solidFill>
-                        </a:rPr>
-                        <a:t>플레이어  캐릭터 배치 </a:t>
-                      </a:r>
-                      <a:endParaRPr lang="en-US" altLang="ko-KR" sz="1400" dirty="0">
-                        <a:solidFill>
-                          <a:schemeClr val="tx1"/>
-                        </a:solidFill>
-                      </a:endParaRPr>
-                    </a:p>
-                    <a:p>
-                      <a:pPr marL="0" indent="0" algn="ctr" latinLnBrk="1">
-                        <a:buNone/>
-                      </a:pPr>
-                      <a:r>
-                        <a:rPr lang="en-US" altLang="ko-KR" sz="1400" dirty="0">
-                          <a:solidFill>
-                            <a:schemeClr val="tx1"/>
-                          </a:solidFill>
-                        </a:rPr>
-                        <a:t>2.   2p </a:t>
-                      </a:r>
-                      <a:r>
-                        <a:rPr lang="ko-KR" altLang="en-US" sz="1400" dirty="0">
-                          <a:solidFill>
-                            <a:schemeClr val="tx1"/>
-                          </a:solidFill>
-                        </a:rPr>
-                        <a:t>플레이어  키 입력 적용</a:t>
-                      </a:r>
-                      <a:endParaRPr lang="en-US" altLang="ko-KR" sz="1400" dirty="0">
-                        <a:solidFill>
-                          <a:schemeClr val="tx1"/>
-                        </a:solidFill>
-                      </a:endParaRPr>
-                    </a:p>
-                  </a:txBody>
-                  <a:tcPr/>
-                </a:tc>
-                <a:extLst>
-                  <a:ext uri="{0D108BD9-81ED-4DB2-BD59-A6C34878D82A}">
-                    <a16:rowId xmlns:a16="http://schemas.microsoft.com/office/drawing/2014/main" val="4035710978"/>
-                  </a:ext>
-                </a:extLst>
-              </a:tr>
-              <a:tr h="605554">
-                <a:tc>
-                  <a:txBody>
-                    <a:bodyPr/>
-                    <a:lstStyle/>
-                    <a:p>
-                      <a:pPr algn="ctr" latinLnBrk="1"/>
-                      <a:r>
-                        <a:rPr lang="en-US" altLang="ko-KR" sz="1400" dirty="0">
-                          <a:solidFill>
-                            <a:schemeClr val="tx1"/>
-                          </a:solidFill>
-                        </a:rPr>
-                        <a:t>4</a:t>
-                      </a:r>
-                      <a:r>
-                        <a:rPr lang="ko-KR" altLang="en-US" sz="1400" dirty="0">
-                          <a:solidFill>
-                            <a:schemeClr val="tx1"/>
-                          </a:solidFill>
-                        </a:rPr>
-                        <a:t>주차</a:t>
-                      </a:r>
-                    </a:p>
-                  </a:txBody>
-                  <a:tcPr/>
-                </a:tc>
-                <a:tc>
-                  <a:txBody>
-                    <a:bodyPr/>
-                    <a:lstStyle/>
-                    <a:p>
-                      <a:pPr algn="ctr" latinLnBrk="1"/>
-                      <a:r>
-                        <a:rPr lang="ko-KR" altLang="en-US" sz="1400" dirty="0">
-                          <a:solidFill>
-                            <a:schemeClr val="tx1"/>
-                          </a:solidFill>
-                        </a:rPr>
-                        <a:t>시스템 </a:t>
-                      </a:r>
-                      <a:r>
-                        <a:rPr lang="en-US" altLang="ko-KR" sz="1400" dirty="0">
-                          <a:solidFill>
-                            <a:schemeClr val="tx1"/>
-                          </a:solidFill>
-                        </a:rPr>
-                        <a:t>UI </a:t>
-                      </a:r>
-                      <a:r>
-                        <a:rPr lang="ko-KR" altLang="en-US" sz="1400" dirty="0">
-                          <a:solidFill>
-                            <a:schemeClr val="tx1"/>
-                          </a:solidFill>
-                        </a:rPr>
-                        <a:t>구성</a:t>
-                      </a:r>
-                    </a:p>
-                  </a:txBody>
-                  <a:tcPr/>
-                </a:tc>
-                <a:tc>
-                  <a:txBody>
-                    <a:bodyPr/>
-                    <a:lstStyle/>
-                    <a:p>
-                      <a:pPr algn="ctr" latinLnBrk="1"/>
-                      <a:r>
-                        <a:rPr lang="en-US" altLang="ko-KR" sz="1400" dirty="0">
-                          <a:solidFill>
-                            <a:schemeClr val="tx1"/>
-                          </a:solidFill>
-                        </a:rPr>
-                        <a:t>1. </a:t>
-                      </a:r>
-                      <a:r>
-                        <a:rPr lang="ko-KR" altLang="en-US" sz="1400" dirty="0">
-                          <a:solidFill>
-                            <a:schemeClr val="tx1"/>
-                          </a:solidFill>
-                        </a:rPr>
-                        <a:t>시작 화면 배치</a:t>
-                      </a:r>
-                      <a:endParaRPr lang="en-US" altLang="ko-KR" sz="1400" dirty="0">
-                        <a:solidFill>
-                          <a:schemeClr val="tx1"/>
-                        </a:solidFill>
-                      </a:endParaRPr>
-                    </a:p>
-                    <a:p>
-                      <a:pPr algn="ctr" latinLnBrk="1"/>
-                      <a:r>
-                        <a:rPr lang="en-US" altLang="ko-KR" sz="1400" dirty="0">
-                          <a:solidFill>
-                            <a:schemeClr val="tx1"/>
-                          </a:solidFill>
-                        </a:rPr>
-                        <a:t>2. </a:t>
-                      </a:r>
-                      <a:r>
-                        <a:rPr lang="ko-KR" altLang="en-US" sz="1400" dirty="0">
-                          <a:solidFill>
-                            <a:schemeClr val="tx1"/>
-                          </a:solidFill>
-                        </a:rPr>
-                        <a:t>게임 내부 </a:t>
-                      </a:r>
-                      <a:r>
-                        <a:rPr lang="en-US" altLang="ko-KR" sz="1400" dirty="0">
-                          <a:solidFill>
-                            <a:schemeClr val="tx1"/>
-                          </a:solidFill>
-                        </a:rPr>
-                        <a:t>UI(</a:t>
-                      </a:r>
-                      <a:r>
-                        <a:rPr lang="ko-KR" altLang="en-US" sz="1400" dirty="0">
-                          <a:solidFill>
-                            <a:schemeClr val="tx1"/>
-                          </a:solidFill>
-                        </a:rPr>
-                        <a:t>스킬 바 등등</a:t>
-                      </a:r>
-                      <a:r>
-                        <a:rPr lang="en-US" altLang="ko-KR" sz="1400" dirty="0">
-                          <a:solidFill>
-                            <a:schemeClr val="tx1"/>
-                          </a:solidFill>
-                        </a:rPr>
-                        <a:t>) </a:t>
-                      </a:r>
-                      <a:r>
-                        <a:rPr lang="ko-KR" altLang="en-US" sz="1400" dirty="0">
-                          <a:solidFill>
-                            <a:schemeClr val="tx1"/>
-                          </a:solidFill>
-                        </a:rPr>
-                        <a:t>구현</a:t>
-                      </a:r>
-                      <a:r>
-                        <a:rPr lang="en-US" altLang="ko-KR" sz="1400" dirty="0">
-                          <a:solidFill>
-                            <a:schemeClr val="tx1"/>
-                          </a:solidFill>
-                        </a:rPr>
-                        <a:t> </a:t>
-                      </a:r>
-                      <a:endParaRPr lang="ko-KR" altLang="en-US" sz="1400" dirty="0">
-                        <a:solidFill>
-                          <a:schemeClr val="tx1"/>
-                        </a:solidFill>
-                      </a:endParaRPr>
-                    </a:p>
-                  </a:txBody>
-                  <a:tcPr/>
-                </a:tc>
-                <a:extLst>
-                  <a:ext uri="{0D108BD9-81ED-4DB2-BD59-A6C34878D82A}">
-                    <a16:rowId xmlns:a16="http://schemas.microsoft.com/office/drawing/2014/main" val="2297192173"/>
-                  </a:ext>
-                </a:extLst>
-              </a:tr>
-              <a:tr h="854900">
-                <a:tc>
-                  <a:txBody>
-                    <a:bodyPr/>
-                    <a:lstStyle/>
-                    <a:p>
-                      <a:pPr algn="ctr" latinLnBrk="1"/>
-                      <a:endParaRPr lang="en-US" altLang="ko-KR" sz="1400" dirty="0">
-                        <a:solidFill>
-                          <a:schemeClr val="tx1"/>
-                        </a:solidFill>
-                      </a:endParaRPr>
-                    </a:p>
-                    <a:p>
-                      <a:pPr algn="ctr" latinLnBrk="1"/>
-                      <a:r>
-                        <a:rPr lang="en-US" altLang="ko-KR" sz="1400" dirty="0">
-                          <a:solidFill>
-                            <a:schemeClr val="tx1"/>
-                          </a:solidFill>
-                        </a:rPr>
-                        <a:t>5</a:t>
-                      </a:r>
-                      <a:r>
-                        <a:rPr lang="ko-KR" altLang="en-US" sz="1400" dirty="0">
-                          <a:solidFill>
-                            <a:schemeClr val="tx1"/>
-                          </a:solidFill>
-                        </a:rPr>
-                        <a:t>주차</a:t>
-                      </a:r>
-                    </a:p>
-                  </a:txBody>
-                  <a:tcPr/>
-                </a:tc>
-                <a:tc>
-                  <a:txBody>
-                    <a:bodyPr/>
-                    <a:lstStyle/>
-                    <a:p>
-                      <a:pPr algn="ctr" latinLnBrk="1"/>
-                      <a:endParaRPr lang="en-US" altLang="ko-KR" sz="1400" dirty="0">
-                        <a:solidFill>
-                          <a:schemeClr val="tx1"/>
-                        </a:solidFill>
-                      </a:endParaRPr>
-                    </a:p>
-                    <a:p>
-                      <a:pPr algn="ctr" latinLnBrk="1"/>
-                      <a:r>
-                        <a:rPr lang="ko-KR" altLang="en-US" sz="1400" dirty="0">
-                          <a:solidFill>
-                            <a:schemeClr val="tx1"/>
-                          </a:solidFill>
-                        </a:rPr>
-                        <a:t>중간 점검</a:t>
-                      </a:r>
-                    </a:p>
-                  </a:txBody>
-                  <a:tcPr/>
-                </a:tc>
-                <a:tc>
-                  <a:txBody>
-                    <a:bodyPr/>
-                    <a:lstStyle/>
-                    <a:p>
-                      <a:pPr marL="342900" indent="-342900" algn="ctr" latinLnBrk="1">
-                        <a:buAutoNum type="arabicPeriod"/>
-                      </a:pPr>
-                      <a:r>
-                        <a:rPr lang="ko-KR" altLang="en-US" sz="1400" dirty="0">
-                          <a:solidFill>
-                            <a:schemeClr val="tx1"/>
-                          </a:solidFill>
-                        </a:rPr>
-                        <a:t>부족한 부분 보완 </a:t>
-                      </a:r>
-                      <a:endParaRPr lang="en-US" altLang="ko-KR" sz="1400" dirty="0">
-                        <a:solidFill>
-                          <a:schemeClr val="tx1"/>
-                        </a:solidFill>
-                      </a:endParaRPr>
-                    </a:p>
-                    <a:p>
-                      <a:pPr marL="342900" indent="-342900" algn="ctr" latinLnBrk="1">
-                        <a:buAutoNum type="arabicPeriod"/>
-                      </a:pPr>
-                      <a:r>
-                        <a:rPr lang="ko-KR" altLang="en-US" sz="1400" dirty="0">
-                          <a:solidFill>
-                            <a:schemeClr val="tx1"/>
-                          </a:solidFill>
-                        </a:rPr>
-                        <a:t>차후 구상 후 추가 요소 배치 </a:t>
-                      </a:r>
-                      <a:endParaRPr lang="en-US" altLang="ko-KR" sz="1400" dirty="0">
-                        <a:solidFill>
-                          <a:schemeClr val="tx1"/>
-                        </a:solidFill>
-                      </a:endParaRPr>
-                    </a:p>
-                    <a:p>
-                      <a:pPr marL="342900" indent="-342900" algn="ctr" latinLnBrk="1">
-                        <a:buAutoNum type="arabicPeriod"/>
-                      </a:pPr>
-                      <a:r>
-                        <a:rPr lang="ko-KR" altLang="en-US" sz="1400" dirty="0">
-                          <a:solidFill>
-                            <a:schemeClr val="tx1"/>
-                          </a:solidFill>
-                        </a:rPr>
-                        <a:t>맵 구현 및 맵 선택 창 구성</a:t>
-                      </a:r>
-                      <a:endParaRPr lang="en-US" altLang="ko-KR" sz="1400" dirty="0">
-                        <a:solidFill>
-                          <a:schemeClr val="tx1"/>
-                        </a:solidFill>
-                      </a:endParaRPr>
-                    </a:p>
-                  </a:txBody>
-                  <a:tcPr/>
-                </a:tc>
-                <a:extLst>
-                  <a:ext uri="{0D108BD9-81ED-4DB2-BD59-A6C34878D82A}">
-                    <a16:rowId xmlns:a16="http://schemas.microsoft.com/office/drawing/2014/main" val="1547606970"/>
-                  </a:ext>
-                </a:extLst>
-              </a:tr>
-              <a:tr h="356208">
-                <a:tc>
-                  <a:txBody>
-                    <a:bodyPr/>
-                    <a:lstStyle/>
-                    <a:p>
-                      <a:pPr algn="ctr" latinLnBrk="1"/>
-                      <a:r>
-                        <a:rPr lang="en-US" altLang="ko-KR" sz="1400" dirty="0">
-                          <a:solidFill>
-                            <a:schemeClr val="tx1"/>
-                          </a:solidFill>
-                        </a:rPr>
-                        <a:t>6</a:t>
-                      </a:r>
-                      <a:r>
-                        <a:rPr lang="ko-KR" altLang="en-US" sz="1400" dirty="0">
-                          <a:solidFill>
-                            <a:schemeClr val="tx1"/>
-                          </a:solidFill>
-                        </a:rPr>
-                        <a:t>주차</a:t>
-                      </a:r>
-                    </a:p>
-                  </a:txBody>
-                  <a:tcPr/>
-                </a:tc>
-                <a:tc>
-                  <a:txBody>
-                    <a:bodyPr/>
-                    <a:lstStyle/>
-                    <a:p>
-                      <a:pPr algn="ctr" latinLnBrk="1"/>
-                      <a:r>
-                        <a:rPr lang="en-US" altLang="ko-KR" sz="1400" dirty="0">
-                          <a:solidFill>
-                            <a:schemeClr val="tx1"/>
-                          </a:solidFill>
-                        </a:rPr>
-                        <a:t>1p </a:t>
-                      </a:r>
-                      <a:r>
-                        <a:rPr lang="ko-KR" altLang="en-US" sz="1400" dirty="0">
-                          <a:solidFill>
-                            <a:schemeClr val="tx1"/>
-                          </a:solidFill>
-                        </a:rPr>
-                        <a:t>플레이어 오브젝트 최종</a:t>
-                      </a:r>
-                    </a:p>
-                  </a:txBody>
-                  <a:tcPr/>
-                </a:tc>
-                <a:tc rowSpan="2">
-                  <a:txBody>
-                    <a:bodyPr/>
-                    <a:lstStyle/>
-                    <a:p>
-                      <a:pPr marL="342900" indent="-342900" algn="ctr" latinLnBrk="1">
-                        <a:buAutoNum type="arabicPeriod"/>
-                      </a:pPr>
-                      <a:r>
-                        <a:rPr lang="ko-KR" altLang="en-US" sz="1400" dirty="0">
-                          <a:solidFill>
-                            <a:schemeClr val="tx1"/>
-                          </a:solidFill>
-                        </a:rPr>
-                        <a:t>오브젝트와  플레이어 간 충돌 처리 </a:t>
-                      </a:r>
-                      <a:endParaRPr lang="en-US" altLang="ko-KR" sz="1400" dirty="0">
-                        <a:solidFill>
-                          <a:schemeClr val="tx1"/>
-                        </a:solidFill>
-                      </a:endParaRPr>
-                    </a:p>
-                    <a:p>
-                      <a:pPr marL="0" indent="0" algn="ctr" latinLnBrk="1">
-                        <a:buNone/>
-                      </a:pPr>
-                      <a:r>
-                        <a:rPr lang="en-US" altLang="ko-KR" sz="1400" dirty="0">
-                          <a:solidFill>
-                            <a:schemeClr val="tx1"/>
-                          </a:solidFill>
-                        </a:rPr>
-                        <a:t>2. </a:t>
-                      </a:r>
-                      <a:r>
-                        <a:rPr lang="ko-KR" altLang="en-US" sz="1400" dirty="0">
-                          <a:solidFill>
-                            <a:schemeClr val="tx1"/>
-                          </a:solidFill>
-                        </a:rPr>
-                        <a:t>스킬 구현 및 </a:t>
-                      </a:r>
-                      <a:r>
-                        <a:rPr lang="ko-KR" altLang="en-US" sz="1400" dirty="0" err="1">
-                          <a:solidFill>
-                            <a:schemeClr val="tx1"/>
-                          </a:solidFill>
-                        </a:rPr>
-                        <a:t>이팩트</a:t>
-                      </a:r>
-                      <a:r>
-                        <a:rPr lang="ko-KR" altLang="en-US" sz="1400" dirty="0">
-                          <a:solidFill>
-                            <a:schemeClr val="tx1"/>
-                          </a:solidFill>
-                        </a:rPr>
-                        <a:t> 처리 </a:t>
-                      </a:r>
-                      <a:endParaRPr lang="en-US" altLang="ko-KR" sz="1400" dirty="0">
-                        <a:solidFill>
-                          <a:schemeClr val="tx1"/>
-                        </a:solidFill>
-                      </a:endParaRPr>
-                    </a:p>
-                    <a:p>
-                      <a:pPr marL="0" indent="0" algn="ctr" latinLnBrk="1">
-                        <a:buNone/>
-                      </a:pPr>
-                      <a:r>
-                        <a:rPr lang="en-US" altLang="ko-KR" sz="1400" dirty="0">
-                          <a:solidFill>
-                            <a:schemeClr val="tx1"/>
-                          </a:solidFill>
-                        </a:rPr>
-                        <a:t>3. </a:t>
-                      </a:r>
-                      <a:r>
-                        <a:rPr lang="ko-KR" altLang="en-US" sz="1400" dirty="0">
-                          <a:solidFill>
-                            <a:schemeClr val="tx1"/>
-                          </a:solidFill>
-                        </a:rPr>
-                        <a:t>포켓몬 추가 구현 및 선택창 구현</a:t>
-                      </a:r>
-                    </a:p>
-                  </a:txBody>
-                  <a:tcPr/>
-                </a:tc>
-                <a:extLst>
-                  <a:ext uri="{0D108BD9-81ED-4DB2-BD59-A6C34878D82A}">
-                    <a16:rowId xmlns:a16="http://schemas.microsoft.com/office/drawing/2014/main" val="2725741996"/>
-                  </a:ext>
-                </a:extLst>
-              </a:tr>
-              <a:tr h="498691">
-                <a:tc>
-                  <a:txBody>
-                    <a:bodyPr/>
-                    <a:lstStyle/>
-                    <a:p>
-                      <a:pPr algn="ctr" latinLnBrk="1"/>
-                      <a:r>
-                        <a:rPr lang="en-US" altLang="ko-KR" sz="1400" dirty="0">
-                          <a:solidFill>
-                            <a:schemeClr val="tx1"/>
-                          </a:solidFill>
-                        </a:rPr>
-                        <a:t>7</a:t>
-                      </a:r>
-                      <a:r>
-                        <a:rPr lang="ko-KR" altLang="en-US" sz="1400" dirty="0">
-                          <a:solidFill>
-                            <a:schemeClr val="tx1"/>
-                          </a:solidFill>
-                        </a:rPr>
-                        <a:t>주차</a:t>
-                      </a:r>
-                    </a:p>
-                  </a:txBody>
-                  <a:tcPr/>
-                </a:tc>
-                <a:tc>
-                  <a:txBody>
-                    <a:bodyPr/>
-                    <a:lstStyle/>
-                    <a:p>
-                      <a:pPr marL="0" marR="0" lvl="0" indent="0" algn="ctr" defTabSz="914400" rtl="0" eaLnBrk="1" fontAlgn="auto" latinLnBrk="1" hangingPunct="1">
-                        <a:lnSpc>
-                          <a:spcPct val="100000"/>
-                        </a:lnSpc>
-                        <a:spcBef>
-                          <a:spcPts val="0"/>
-                        </a:spcBef>
-                        <a:spcAft>
-                          <a:spcPts val="0"/>
-                        </a:spcAft>
-                        <a:buClrTx/>
-                        <a:buSzTx/>
-                        <a:buFontTx/>
-                        <a:buNone/>
-                        <a:tabLst/>
-                        <a:defRPr/>
-                      </a:pPr>
-                      <a:r>
-                        <a:rPr lang="en-US" altLang="ko-KR" sz="1400" dirty="0">
-                          <a:solidFill>
-                            <a:schemeClr val="tx1"/>
-                          </a:solidFill>
-                        </a:rPr>
-                        <a:t>2p</a:t>
-                      </a:r>
-                      <a:r>
-                        <a:rPr lang="ko-KR" altLang="en-US" sz="1400" dirty="0">
-                          <a:solidFill>
-                            <a:schemeClr val="tx1"/>
-                          </a:solidFill>
-                        </a:rPr>
-                        <a:t> 플레이어 오브젝트 최종</a:t>
-                      </a:r>
-                    </a:p>
-                  </a:txBody>
-                  <a:tcPr/>
-                </a:tc>
-                <a:tc vMerge="1">
-                  <a:txBody>
-                    <a:bodyPr/>
-                    <a:lstStyle/>
-                    <a:p>
-                      <a:pPr algn="ctr" latinLnBrk="1"/>
-                      <a:endParaRPr lang="ko-KR" altLang="en-US" sz="1600" dirty="0"/>
-                    </a:p>
-                  </a:txBody>
-                  <a:tcPr/>
-                </a:tc>
-                <a:extLst>
-                  <a:ext uri="{0D108BD9-81ED-4DB2-BD59-A6C34878D82A}">
-                    <a16:rowId xmlns:a16="http://schemas.microsoft.com/office/drawing/2014/main" val="2420705430"/>
-                  </a:ext>
-                </a:extLst>
-              </a:tr>
-              <a:tr h="356208">
-                <a:tc>
-                  <a:txBody>
-                    <a:bodyPr/>
-                    <a:lstStyle/>
-                    <a:p>
-                      <a:pPr algn="ctr" latinLnBrk="1"/>
-                      <a:r>
-                        <a:rPr lang="en-US" altLang="ko-KR" sz="1400" dirty="0">
-                          <a:solidFill>
-                            <a:schemeClr val="tx1"/>
-                          </a:solidFill>
-                        </a:rPr>
-                        <a:t>8</a:t>
-                      </a:r>
-                      <a:r>
-                        <a:rPr lang="ko-KR" altLang="en-US" sz="1400" dirty="0">
-                          <a:solidFill>
-                            <a:schemeClr val="tx1"/>
-                          </a:solidFill>
-                        </a:rPr>
-                        <a:t>주차</a:t>
-                      </a:r>
-                    </a:p>
-                  </a:txBody>
-                  <a:tcPr/>
-                </a:tc>
-                <a:tc>
-                  <a:txBody>
-                    <a:bodyPr/>
-                    <a:lstStyle/>
-                    <a:p>
-                      <a:pPr marL="0" marR="0" lvl="0" indent="0" algn="ctr" defTabSz="914400" rtl="0" eaLnBrk="1" fontAlgn="auto" latinLnBrk="1" hangingPunct="1">
-                        <a:lnSpc>
-                          <a:spcPct val="100000"/>
-                        </a:lnSpc>
-                        <a:spcBef>
-                          <a:spcPts val="0"/>
-                        </a:spcBef>
-                        <a:spcAft>
-                          <a:spcPts val="0"/>
-                        </a:spcAft>
-                        <a:buClrTx/>
-                        <a:buSzTx/>
-                        <a:buFontTx/>
-                        <a:buNone/>
-                        <a:tabLst/>
-                        <a:defRPr/>
-                      </a:pPr>
-                      <a:r>
-                        <a:rPr lang="ko-KR" altLang="en-US" sz="1400" dirty="0">
-                          <a:solidFill>
-                            <a:schemeClr val="tx1"/>
-                          </a:solidFill>
-                        </a:rPr>
-                        <a:t>사운드 적용</a:t>
-                      </a:r>
-                    </a:p>
-                  </a:txBody>
-                  <a:tcPr/>
-                </a:tc>
-                <a:tc>
-                  <a:txBody>
-                    <a:bodyPr/>
-                    <a:lstStyle/>
-                    <a:p>
-                      <a:pPr algn="ctr" latinLnBrk="1"/>
-                      <a:r>
-                        <a:rPr lang="en-US" altLang="ko-KR" sz="1400" dirty="0">
-                          <a:solidFill>
-                            <a:schemeClr val="tx1"/>
-                          </a:solidFill>
-                        </a:rPr>
-                        <a:t>1.</a:t>
-                      </a:r>
-                      <a:r>
-                        <a:rPr lang="ko-KR" altLang="en-US" sz="1400" dirty="0">
-                          <a:solidFill>
-                            <a:schemeClr val="tx1"/>
-                          </a:solidFill>
-                        </a:rPr>
-                        <a:t> 스킬 사용 및 공 타격 시 효과음 구성</a:t>
-                      </a:r>
-                    </a:p>
-                  </a:txBody>
-                  <a:tcPr/>
-                </a:tc>
-                <a:extLst>
-                  <a:ext uri="{0D108BD9-81ED-4DB2-BD59-A6C34878D82A}">
-                    <a16:rowId xmlns:a16="http://schemas.microsoft.com/office/drawing/2014/main" val="425926980"/>
-                  </a:ext>
-                </a:extLst>
-              </a:tr>
-              <a:tr h="854900">
-                <a:tc>
-                  <a:txBody>
-                    <a:bodyPr/>
-                    <a:lstStyle/>
-                    <a:p>
-                      <a:pPr algn="ctr" latinLnBrk="1"/>
-                      <a:endParaRPr lang="en-US" altLang="ko-KR" sz="1400" dirty="0">
-                        <a:solidFill>
-                          <a:schemeClr val="tx1"/>
-                        </a:solidFill>
-                      </a:endParaRPr>
-                    </a:p>
-                    <a:p>
-                      <a:pPr algn="ctr" latinLnBrk="1"/>
-                      <a:r>
-                        <a:rPr lang="en-US" altLang="ko-KR" sz="1400" dirty="0">
-                          <a:solidFill>
-                            <a:schemeClr val="tx1"/>
-                          </a:solidFill>
-                        </a:rPr>
-                        <a:t>9</a:t>
-                      </a:r>
-                      <a:r>
-                        <a:rPr lang="ko-KR" altLang="en-US" sz="1400" dirty="0">
-                          <a:solidFill>
-                            <a:schemeClr val="tx1"/>
-                          </a:solidFill>
-                        </a:rPr>
-                        <a:t>주차</a:t>
-                      </a:r>
-                    </a:p>
-                  </a:txBody>
-                  <a:tcPr/>
-                </a:tc>
-                <a:tc>
-                  <a:txBody>
-                    <a:bodyPr/>
-                    <a:lstStyle/>
-                    <a:p>
-                      <a:pPr algn="ctr" latinLnBrk="1"/>
-                      <a:endParaRPr lang="en-US" altLang="ko-KR" sz="1400" dirty="0">
-                        <a:solidFill>
-                          <a:schemeClr val="tx1"/>
-                        </a:solidFill>
-                      </a:endParaRPr>
-                    </a:p>
-                    <a:p>
-                      <a:pPr algn="ctr" latinLnBrk="1"/>
-                      <a:r>
-                        <a:rPr lang="ko-KR" altLang="en-US" sz="1400" dirty="0">
-                          <a:solidFill>
-                            <a:schemeClr val="tx1"/>
-                          </a:solidFill>
-                        </a:rPr>
-                        <a:t>최종 점검</a:t>
-                      </a:r>
-                    </a:p>
-                  </a:txBody>
-                  <a:tcPr/>
-                </a:tc>
-                <a:tc>
-                  <a:txBody>
-                    <a:bodyPr/>
-                    <a:lstStyle/>
-                    <a:p>
-                      <a:pPr marL="342900" indent="-342900" algn="ctr" latinLnBrk="1">
-                        <a:buAutoNum type="arabicPeriod"/>
-                      </a:pPr>
-                      <a:r>
-                        <a:rPr lang="ko-KR" altLang="en-US" sz="1400" dirty="0">
-                          <a:solidFill>
-                            <a:schemeClr val="tx1"/>
-                          </a:solidFill>
-                        </a:rPr>
-                        <a:t>밸런스 및 난이도 조절 </a:t>
-                      </a:r>
-                      <a:endParaRPr lang="en-US" altLang="ko-KR" sz="1400" dirty="0">
-                        <a:solidFill>
-                          <a:schemeClr val="tx1"/>
-                        </a:solidFill>
-                      </a:endParaRPr>
-                    </a:p>
-                    <a:p>
-                      <a:pPr marL="342900" indent="-342900" algn="ctr" latinLnBrk="1">
-                        <a:buAutoNum type="arabicPeriod"/>
-                      </a:pPr>
-                      <a:r>
-                        <a:rPr lang="ko-KR" altLang="en-US" sz="1400" dirty="0">
-                          <a:solidFill>
-                            <a:schemeClr val="tx1"/>
-                          </a:solidFill>
-                        </a:rPr>
-                        <a:t>각종 버그 점검</a:t>
-                      </a:r>
-                      <a:r>
-                        <a:rPr lang="en-US" altLang="ko-KR" sz="1400" dirty="0">
-                          <a:solidFill>
-                            <a:schemeClr val="tx1"/>
-                          </a:solidFill>
-                        </a:rPr>
-                        <a:t>(</a:t>
-                      </a:r>
-                      <a:r>
-                        <a:rPr lang="ko-KR" altLang="en-US" sz="1400" dirty="0">
-                          <a:solidFill>
-                            <a:schemeClr val="tx1"/>
-                          </a:solidFill>
-                        </a:rPr>
-                        <a:t>충돌처리 이상 유무 등 파악</a:t>
-                      </a:r>
-                      <a:r>
-                        <a:rPr lang="en-US" altLang="ko-KR" sz="1400" dirty="0">
-                          <a:solidFill>
-                            <a:schemeClr val="tx1"/>
-                          </a:solidFill>
-                        </a:rPr>
-                        <a:t>)</a:t>
-                      </a:r>
-                    </a:p>
-                    <a:p>
-                      <a:pPr marL="342900" indent="-342900" algn="ctr" latinLnBrk="1">
-                        <a:buAutoNum type="arabicPeriod"/>
-                      </a:pPr>
-                      <a:r>
-                        <a:rPr lang="ko-KR" altLang="en-US" sz="1400" dirty="0">
-                          <a:solidFill>
-                            <a:schemeClr val="tx1"/>
-                          </a:solidFill>
-                        </a:rPr>
-                        <a:t>효과음 점검</a:t>
-                      </a:r>
-                    </a:p>
-                  </a:txBody>
-                  <a:tcPr/>
-                </a:tc>
-                <a:extLst>
-                  <a:ext uri="{0D108BD9-81ED-4DB2-BD59-A6C34878D82A}">
-                    <a16:rowId xmlns:a16="http://schemas.microsoft.com/office/drawing/2014/main" val="2387615146"/>
-                  </a:ext>
-                </a:extLst>
-              </a:tr>
-              <a:tr h="356208">
-                <a:tc>
-                  <a:txBody>
-                    <a:bodyPr/>
-                    <a:lstStyle/>
-                    <a:p>
-                      <a:pPr algn="ctr" latinLnBrk="1"/>
-                      <a:r>
-                        <a:rPr lang="en-US" altLang="ko-KR" sz="1400" dirty="0">
-                          <a:solidFill>
-                            <a:schemeClr val="tx1"/>
-                          </a:solidFill>
-                        </a:rPr>
-                        <a:t>10</a:t>
-                      </a:r>
-                      <a:r>
-                        <a:rPr lang="ko-KR" altLang="en-US" sz="1400" dirty="0">
-                          <a:solidFill>
-                            <a:schemeClr val="tx1"/>
-                          </a:solidFill>
-                        </a:rPr>
-                        <a:t>주차</a:t>
-                      </a:r>
-                    </a:p>
-                  </a:txBody>
-                  <a:tcPr/>
-                </a:tc>
-                <a:tc>
-                  <a:txBody>
-                    <a:bodyPr/>
-                    <a:lstStyle/>
-                    <a:p>
-                      <a:pPr algn="ctr" latinLnBrk="1"/>
-                      <a:r>
-                        <a:rPr lang="ko-KR" altLang="en-US" sz="1400" dirty="0">
-                          <a:solidFill>
-                            <a:schemeClr val="tx1"/>
-                          </a:solidFill>
-                        </a:rPr>
-                        <a:t>마무리</a:t>
-                      </a:r>
-                    </a:p>
-                  </a:txBody>
-                  <a:tcPr/>
-                </a:tc>
-                <a:tc>
-                  <a:txBody>
-                    <a:bodyPr/>
-                    <a:lstStyle/>
-                    <a:p>
-                      <a:pPr algn="ctr" latinLnBrk="1"/>
-                      <a:r>
-                        <a:rPr lang="ko-KR" altLang="en-US" sz="1400" dirty="0">
-                          <a:solidFill>
-                            <a:schemeClr val="tx1"/>
-                          </a:solidFill>
-                        </a:rPr>
-                        <a:t>최종 점검 및 게임 실행 유무 파악</a:t>
-                      </a:r>
-                    </a:p>
-                  </a:txBody>
-                  <a:tcPr/>
-                </a:tc>
-                <a:extLst>
-                  <a:ext uri="{0D108BD9-81ED-4DB2-BD59-A6C34878D82A}">
-                    <a16:rowId xmlns:a16="http://schemas.microsoft.com/office/drawing/2014/main" val="2996777626"/>
-                  </a:ext>
-                </a:extLst>
-              </a:tr>
-            </a:tbl>
-          </a:graphicData>
-        </a:graphic>
-      </p:graphicFrame>
       <p:sp>
         <p:nvSpPr>
           <p:cNvPr id="7" name="사각형: 둥근 모서리 6">
@@ -5267,7 +4066,7 @@
           <a:p>
             <a:r>
               <a:rPr lang="ko-KR" altLang="en-US" sz="2800" dirty="0"/>
-              <a:t>개발 일정</a:t>
+              <a:t>개발 범위</a:t>
             </a:r>
             <a:r>
               <a:rPr lang="en-US" altLang="ko-KR" sz="2800" dirty="0">
@@ -5301,6 +4100,796 @@
           </a:p>
         </p:txBody>
       </p:sp>
+      <p:graphicFrame>
+        <p:nvGraphicFramePr>
+          <p:cNvPr id="2" name="표 5">
+            <a:extLst>
+              <a:ext uri="{FF2B5EF4-FFF2-40B4-BE49-F238E27FC236}">
+                <a16:creationId xmlns:a16="http://schemas.microsoft.com/office/drawing/2014/main" id="{70FAE4FC-F11A-6368-990E-EAD62C6499E3}"/>
+              </a:ext>
+            </a:extLst>
+          </p:cNvPr>
+          <p:cNvGraphicFramePr>
+            <a:graphicFrameLocks noGrp="1"/>
+          </p:cNvGraphicFramePr>
+          <p:nvPr>
+            <p:extLst>
+              <p:ext uri="{D42A27DB-BD31-4B8C-83A1-F6EECF244321}">
+                <p14:modId xmlns:p14="http://schemas.microsoft.com/office/powerpoint/2010/main" val="2550688177"/>
+              </p:ext>
+            </p:extLst>
+          </p:nvPr>
+        </p:nvGraphicFramePr>
+        <p:xfrm>
+          <a:off x="301657" y="972907"/>
+          <a:ext cx="11660957" cy="5407383"/>
+        </p:xfrm>
+        <a:graphic>
+          <a:graphicData uri="http://schemas.openxmlformats.org/drawingml/2006/table">
+            <a:tbl>
+              <a:tblPr firstRow="1" bandRow="1">
+                <a:tableStyleId>{F5AB1C69-6EDB-4FF4-983F-18BD219EF322}</a:tableStyleId>
+              </a:tblPr>
+              <a:tblGrid>
+                <a:gridCol w="2171855">
+                  <a:extLst>
+                    <a:ext uri="{9D8B030D-6E8A-4147-A177-3AD203B41FA5}">
+                      <a16:colId xmlns:a16="http://schemas.microsoft.com/office/drawing/2014/main" val="2172615152"/>
+                    </a:ext>
+                  </a:extLst>
+                </a:gridCol>
+                <a:gridCol w="4731639">
+                  <a:extLst>
+                    <a:ext uri="{9D8B030D-6E8A-4147-A177-3AD203B41FA5}">
+                      <a16:colId xmlns:a16="http://schemas.microsoft.com/office/drawing/2014/main" val="1847601684"/>
+                    </a:ext>
+                  </a:extLst>
+                </a:gridCol>
+                <a:gridCol w="4757463">
+                  <a:extLst>
+                    <a:ext uri="{9D8B030D-6E8A-4147-A177-3AD203B41FA5}">
+                      <a16:colId xmlns:a16="http://schemas.microsoft.com/office/drawing/2014/main" val="111896676"/>
+                    </a:ext>
+                  </a:extLst>
+                </a:gridCol>
+              </a:tblGrid>
+              <a:tr h="479547">
+                <a:tc>
+                  <a:txBody>
+                    <a:bodyPr/>
+                    <a:lstStyle/>
+                    <a:p>
+                      <a:pPr algn="ctr" latinLnBrk="1"/>
+                      <a:r>
+                        <a:rPr lang="ko-KR" altLang="en-US" sz="1600" dirty="0"/>
+                        <a:t>내용</a:t>
+                      </a:r>
+                    </a:p>
+                  </a:txBody>
+                  <a:tcPr/>
+                </a:tc>
+                <a:tc>
+                  <a:txBody>
+                    <a:bodyPr/>
+                    <a:lstStyle/>
+                    <a:p>
+                      <a:pPr algn="ctr" latinLnBrk="1"/>
+                      <a:r>
+                        <a:rPr lang="ko-KR" altLang="en-US" sz="1600" dirty="0"/>
+                        <a:t>최소 범위</a:t>
+                      </a:r>
+                    </a:p>
+                  </a:txBody>
+                  <a:tcPr/>
+                </a:tc>
+                <a:tc>
+                  <a:txBody>
+                    <a:bodyPr/>
+                    <a:lstStyle/>
+                    <a:p>
+                      <a:pPr algn="ctr" latinLnBrk="1"/>
+                      <a:r>
+                        <a:rPr lang="ko-KR" altLang="en-US" sz="1600" dirty="0"/>
+                        <a:t>추가범위</a:t>
+                      </a:r>
+                    </a:p>
+                  </a:txBody>
+                  <a:tcPr/>
+                </a:tc>
+                <a:extLst>
+                  <a:ext uri="{0D108BD9-81ED-4DB2-BD59-A6C34878D82A}">
+                    <a16:rowId xmlns:a16="http://schemas.microsoft.com/office/drawing/2014/main" val="4023934423"/>
+                  </a:ext>
+                </a:extLst>
+              </a:tr>
+              <a:tr h="527175">
+                <a:tc>
+                  <a:txBody>
+                    <a:bodyPr/>
+                    <a:lstStyle/>
+                    <a:p>
+                      <a:pPr algn="ctr" latinLnBrk="1"/>
+                      <a:r>
+                        <a:rPr lang="ko-KR" altLang="en-US" sz="1600" dirty="0"/>
+                        <a:t>컨트롤</a:t>
+                      </a:r>
+                    </a:p>
+                  </a:txBody>
+                  <a:tcPr/>
+                </a:tc>
+                <a:tc>
+                  <a:txBody>
+                    <a:bodyPr/>
+                    <a:lstStyle/>
+                    <a:p>
+                      <a:pPr algn="ctr" latinLnBrk="1"/>
+                      <a:r>
+                        <a:rPr lang="ko-KR" altLang="en-US" sz="1600" dirty="0"/>
+                        <a:t>앞</a:t>
+                      </a:r>
+                      <a:r>
+                        <a:rPr lang="en-US" altLang="ko-KR" sz="1600" dirty="0"/>
+                        <a:t>.</a:t>
+                      </a:r>
+                      <a:r>
+                        <a:rPr lang="ko-KR" altLang="en-US" sz="1600" dirty="0"/>
+                        <a:t>뒤 </a:t>
+                      </a:r>
+                      <a:r>
+                        <a:rPr lang="en-US" altLang="ko-KR" sz="1600" dirty="0"/>
+                        <a:t>2</a:t>
+                      </a:r>
+                      <a:r>
+                        <a:rPr lang="ko-KR" altLang="en-US" sz="1600" dirty="0"/>
+                        <a:t>방향 및 점프</a:t>
+                      </a:r>
+                      <a:r>
+                        <a:rPr lang="en-US" altLang="ko-KR" sz="1600" dirty="0"/>
+                        <a:t>, </a:t>
+                      </a:r>
+                      <a:r>
+                        <a:rPr lang="ko-KR" altLang="en-US" sz="1600" strike="sngStrike" dirty="0">
+                          <a:solidFill>
+                            <a:srgbClr val="FF0000"/>
+                          </a:solidFill>
+                        </a:rPr>
+                        <a:t>앉기</a:t>
+                      </a:r>
+                      <a:r>
+                        <a:rPr lang="ko-KR" altLang="en-US" sz="1600" dirty="0"/>
+                        <a:t> </a:t>
+                      </a:r>
+                      <a:r>
+                        <a:rPr lang="en-US" altLang="ko-KR" sz="1600" dirty="0"/>
+                        <a:t>2</a:t>
+                      </a:r>
+                      <a:r>
+                        <a:rPr lang="ko-KR" altLang="en-US" sz="1600" dirty="0"/>
+                        <a:t>방향</a:t>
+                      </a:r>
+                      <a:endParaRPr lang="en-US" altLang="ko-KR" sz="1600" dirty="0"/>
+                    </a:p>
+                    <a:p>
+                      <a:pPr algn="ctr" latinLnBrk="1"/>
+                      <a:r>
+                        <a:rPr lang="ko-KR" altLang="en-US" sz="1600" dirty="0"/>
+                        <a:t>등 </a:t>
+                      </a:r>
+                      <a:r>
+                        <a:rPr lang="en-US" altLang="ko-KR" sz="1600" dirty="0"/>
+                        <a:t>3</a:t>
+                      </a:r>
+                      <a:r>
+                        <a:rPr lang="ko-KR" altLang="en-US" sz="1600" dirty="0"/>
+                        <a:t>방향 지원</a:t>
+                      </a:r>
+                    </a:p>
+                  </a:txBody>
+                  <a:tcPr/>
+                </a:tc>
+                <a:tc>
+                  <a:txBody>
+                    <a:bodyPr/>
+                    <a:lstStyle/>
+                    <a:p>
+                      <a:pPr algn="ctr" latinLnBrk="1"/>
+                      <a:r>
+                        <a:rPr lang="ko-KR" altLang="en-US" sz="1600" dirty="0"/>
+                        <a:t>이단 점프</a:t>
+                      </a:r>
+                      <a:r>
+                        <a:rPr lang="en-US" altLang="ko-KR" sz="1600" dirty="0"/>
+                        <a:t>, </a:t>
+                      </a:r>
+                      <a:r>
+                        <a:rPr lang="ko-KR" altLang="en-US" sz="1600" dirty="0"/>
+                        <a:t>슬라이딩 등 추가 컨트롤 지원</a:t>
+                      </a:r>
+                    </a:p>
+                  </a:txBody>
+                  <a:tcPr/>
+                </a:tc>
+                <a:extLst>
+                  <a:ext uri="{0D108BD9-81ED-4DB2-BD59-A6C34878D82A}">
+                    <a16:rowId xmlns:a16="http://schemas.microsoft.com/office/drawing/2014/main" val="3435870843"/>
+                  </a:ext>
+                </a:extLst>
+              </a:tr>
+              <a:tr h="584889">
+                <a:tc>
+                  <a:txBody>
+                    <a:bodyPr/>
+                    <a:lstStyle/>
+                    <a:p>
+                      <a:pPr algn="ctr" latinLnBrk="1"/>
+                      <a:r>
+                        <a:rPr lang="ko-KR" altLang="en-US" sz="1600" dirty="0"/>
+                        <a:t>캐릭터 기술</a:t>
+                      </a:r>
+                    </a:p>
+                  </a:txBody>
+                  <a:tcPr/>
+                </a:tc>
+                <a:tc>
+                  <a:txBody>
+                    <a:bodyPr/>
+                    <a:lstStyle/>
+                    <a:p>
+                      <a:pPr algn="ctr" latinLnBrk="1"/>
+                      <a:r>
+                        <a:rPr lang="ko-KR" altLang="en-US" sz="1600" dirty="0"/>
+                        <a:t>실제 포켓몬 스킬</a:t>
+                      </a:r>
+                      <a:r>
+                        <a:rPr lang="en-US" altLang="ko-KR" sz="1600" dirty="0"/>
+                        <a:t>(</a:t>
+                      </a:r>
+                      <a:r>
+                        <a:rPr lang="ko-KR" altLang="en-US" sz="1600" dirty="0" err="1"/>
+                        <a:t>아이언테일</a:t>
+                      </a:r>
+                      <a:r>
+                        <a:rPr lang="ko-KR" altLang="en-US" sz="1600" dirty="0"/>
+                        <a:t> 등</a:t>
+                      </a:r>
+                      <a:r>
+                        <a:rPr lang="en-US" altLang="ko-KR" sz="1600" dirty="0"/>
+                        <a:t>) 1</a:t>
+                      </a:r>
+                      <a:r>
+                        <a:rPr lang="ko-KR" altLang="en-US" sz="1600" dirty="0"/>
+                        <a:t>개 구성 </a:t>
+                      </a:r>
+                    </a:p>
+                  </a:txBody>
+                  <a:tcPr/>
+                </a:tc>
+                <a:tc>
+                  <a:txBody>
+                    <a:bodyPr/>
+                    <a:lstStyle/>
+                    <a:p>
+                      <a:pPr algn="ctr" latinLnBrk="1"/>
+                      <a:r>
+                        <a:rPr lang="ko-KR" altLang="en-US" sz="1600" dirty="0"/>
+                        <a:t>추가 </a:t>
+                      </a:r>
+                      <a:r>
+                        <a:rPr lang="en-US" altLang="ko-KR" sz="1600" dirty="0"/>
+                        <a:t>1</a:t>
+                      </a:r>
+                      <a:r>
+                        <a:rPr lang="ko-KR" altLang="en-US" sz="1600" dirty="0"/>
+                        <a:t>개 이상 스킬 반영</a:t>
+                      </a:r>
+                    </a:p>
+                  </a:txBody>
+                  <a:tcPr/>
+                </a:tc>
+                <a:extLst>
+                  <a:ext uri="{0D108BD9-81ED-4DB2-BD59-A6C34878D82A}">
+                    <a16:rowId xmlns:a16="http://schemas.microsoft.com/office/drawing/2014/main" val="1477772489"/>
+                  </a:ext>
+                </a:extLst>
+              </a:tr>
+              <a:tr h="475886">
+                <a:tc>
+                  <a:txBody>
+                    <a:bodyPr/>
+                    <a:lstStyle/>
+                    <a:p>
+                      <a:pPr algn="ctr" latinLnBrk="1"/>
+                      <a:r>
+                        <a:rPr lang="ko-KR" altLang="en-US" sz="1600" b="0" dirty="0">
+                          <a:solidFill>
+                            <a:schemeClr val="tx1"/>
+                          </a:solidFill>
+                        </a:rPr>
+                        <a:t>맵</a:t>
+                      </a:r>
+                    </a:p>
+                  </a:txBody>
+                  <a:tcPr/>
+                </a:tc>
+                <a:tc>
+                  <a:txBody>
+                    <a:bodyPr/>
+                    <a:lstStyle/>
+                    <a:p>
+                      <a:pPr algn="ctr" latinLnBrk="1"/>
+                      <a:r>
+                        <a:rPr lang="ko-KR" altLang="en-US" sz="1600" b="0" dirty="0">
+                          <a:solidFill>
+                            <a:schemeClr val="tx1"/>
+                          </a:solidFill>
+                        </a:rPr>
+                        <a:t>총 </a:t>
+                      </a:r>
+                      <a:r>
+                        <a:rPr lang="en-US" altLang="ko-KR" sz="1600" b="0" dirty="0">
+                          <a:solidFill>
+                            <a:schemeClr val="tx1"/>
+                          </a:solidFill>
+                        </a:rPr>
+                        <a:t>3</a:t>
+                      </a:r>
+                      <a:r>
+                        <a:rPr lang="ko-KR" altLang="en-US" sz="1600" b="0" dirty="0">
+                          <a:solidFill>
+                            <a:schemeClr val="tx1"/>
+                          </a:solidFill>
+                        </a:rPr>
+                        <a:t>개의 맵 구성</a:t>
+                      </a:r>
+                    </a:p>
+                  </a:txBody>
+                  <a:tcPr/>
+                </a:tc>
+                <a:tc>
+                  <a:txBody>
+                    <a:bodyPr/>
+                    <a:lstStyle/>
+                    <a:p>
+                      <a:pPr marL="0" marR="0" lvl="0" indent="0" algn="ctr" defTabSz="914400" rtl="0" eaLnBrk="1" fontAlgn="auto" latinLnBrk="1" hangingPunct="1">
+                        <a:lnSpc>
+                          <a:spcPct val="100000"/>
+                        </a:lnSpc>
+                        <a:spcBef>
+                          <a:spcPts val="0"/>
+                        </a:spcBef>
+                        <a:spcAft>
+                          <a:spcPts val="0"/>
+                        </a:spcAft>
+                        <a:buClrTx/>
+                        <a:buSzTx/>
+                        <a:buFontTx/>
+                        <a:buNone/>
+                        <a:tabLst/>
+                        <a:defRPr/>
+                      </a:pPr>
+                      <a:r>
+                        <a:rPr lang="ko-KR" altLang="en-US" sz="1600" b="0" dirty="0">
+                          <a:solidFill>
+                            <a:schemeClr val="tx1"/>
+                          </a:solidFill>
+                        </a:rPr>
+                        <a:t>맵 선택창 구현</a:t>
+                      </a:r>
+                    </a:p>
+                  </a:txBody>
+                  <a:tcPr/>
+                </a:tc>
+                <a:extLst>
+                  <a:ext uri="{0D108BD9-81ED-4DB2-BD59-A6C34878D82A}">
+                    <a16:rowId xmlns:a16="http://schemas.microsoft.com/office/drawing/2014/main" val="280363296"/>
+                  </a:ext>
+                </a:extLst>
+              </a:tr>
+              <a:tr h="475886">
+                <a:tc>
+                  <a:txBody>
+                    <a:bodyPr/>
+                    <a:lstStyle/>
+                    <a:p>
+                      <a:pPr algn="ctr" latinLnBrk="1"/>
+                      <a:r>
+                        <a:rPr lang="ko-KR" altLang="en-US" sz="1600" b="0" dirty="0">
+                          <a:solidFill>
+                            <a:schemeClr val="tx1"/>
+                          </a:solidFill>
+                        </a:rPr>
+                        <a:t>캐릭터</a:t>
+                      </a:r>
+                    </a:p>
+                  </a:txBody>
+                  <a:tcPr/>
+                </a:tc>
+                <a:tc>
+                  <a:txBody>
+                    <a:bodyPr/>
+                    <a:lstStyle/>
+                    <a:p>
+                      <a:pPr algn="ctr" latinLnBrk="1"/>
+                      <a:r>
+                        <a:rPr lang="ko-KR" altLang="en-US" sz="1600" b="0" dirty="0">
+                          <a:solidFill>
+                            <a:schemeClr val="tx1"/>
+                          </a:solidFill>
+                        </a:rPr>
+                        <a:t>총 </a:t>
+                      </a:r>
+                      <a:r>
+                        <a:rPr lang="en-US" altLang="ko-KR" sz="1600" b="0" dirty="0">
+                          <a:solidFill>
+                            <a:schemeClr val="tx1"/>
+                          </a:solidFill>
+                        </a:rPr>
+                        <a:t>3</a:t>
+                      </a:r>
+                      <a:r>
+                        <a:rPr lang="ko-KR" altLang="en-US" sz="1600" b="0" dirty="0">
+                          <a:solidFill>
+                            <a:schemeClr val="tx1"/>
+                          </a:solidFill>
+                        </a:rPr>
+                        <a:t>개의 캐릭터 구성</a:t>
+                      </a:r>
+                    </a:p>
+                  </a:txBody>
+                  <a:tcPr/>
+                </a:tc>
+                <a:tc>
+                  <a:txBody>
+                    <a:bodyPr/>
+                    <a:lstStyle/>
+                    <a:p>
+                      <a:pPr marL="0" marR="0" lvl="0" indent="0" algn="ctr" defTabSz="914400" rtl="0" eaLnBrk="1" fontAlgn="auto" latinLnBrk="1" hangingPunct="1">
+                        <a:lnSpc>
+                          <a:spcPct val="100000"/>
+                        </a:lnSpc>
+                        <a:spcBef>
+                          <a:spcPts val="0"/>
+                        </a:spcBef>
+                        <a:spcAft>
+                          <a:spcPts val="0"/>
+                        </a:spcAft>
+                        <a:buClrTx/>
+                        <a:buSzTx/>
+                        <a:buFontTx/>
+                        <a:buNone/>
+                        <a:tabLst/>
+                        <a:defRPr/>
+                      </a:pPr>
+                      <a:r>
+                        <a:rPr lang="ko-KR" altLang="en-US" sz="1600" b="0" dirty="0">
+                          <a:solidFill>
+                            <a:schemeClr val="tx1"/>
+                          </a:solidFill>
+                        </a:rPr>
+                        <a:t>캐릭터 선택창 구현</a:t>
+                      </a:r>
+                    </a:p>
+                  </a:txBody>
+                  <a:tcPr/>
+                </a:tc>
+                <a:extLst>
+                  <a:ext uri="{0D108BD9-81ED-4DB2-BD59-A6C34878D82A}">
+                    <a16:rowId xmlns:a16="http://schemas.microsoft.com/office/drawing/2014/main" val="734011955"/>
+                  </a:ext>
+                </a:extLst>
+              </a:tr>
+              <a:tr h="475886">
+                <a:tc>
+                  <a:txBody>
+                    <a:bodyPr/>
+                    <a:lstStyle/>
+                    <a:p>
+                      <a:pPr algn="ctr" latinLnBrk="1"/>
+                      <a:r>
+                        <a:rPr lang="ko-KR" altLang="en-US" sz="1600" dirty="0"/>
+                        <a:t>사운드</a:t>
+                      </a:r>
+                    </a:p>
+                  </a:txBody>
+                  <a:tcPr/>
+                </a:tc>
+                <a:tc>
+                  <a:txBody>
+                    <a:bodyPr/>
+                    <a:lstStyle/>
+                    <a:p>
+                      <a:pPr algn="ctr" latinLnBrk="1"/>
+                      <a:r>
+                        <a:rPr lang="ko-KR" altLang="en-US" sz="1600" dirty="0"/>
+                        <a:t>배경 음악 및 공 터치 시 효과음 적용</a:t>
+                      </a:r>
+                    </a:p>
+                  </a:txBody>
+                  <a:tcPr/>
+                </a:tc>
+                <a:tc>
+                  <a:txBody>
+                    <a:bodyPr/>
+                    <a:lstStyle/>
+                    <a:p>
+                      <a:pPr algn="ctr" latinLnBrk="1"/>
+                      <a:r>
+                        <a:rPr lang="ko-KR" altLang="en-US" sz="1600" dirty="0"/>
+                        <a:t>스킬 사용 시 효과음 추가</a:t>
+                      </a:r>
+                    </a:p>
+                  </a:txBody>
+                  <a:tcPr/>
+                </a:tc>
+                <a:extLst>
+                  <a:ext uri="{0D108BD9-81ED-4DB2-BD59-A6C34878D82A}">
+                    <a16:rowId xmlns:a16="http://schemas.microsoft.com/office/drawing/2014/main" val="2007696009"/>
+                  </a:ext>
+                </a:extLst>
+              </a:tr>
+              <a:tr h="475886">
+                <a:tc>
+                  <a:txBody>
+                    <a:bodyPr/>
+                    <a:lstStyle/>
+                    <a:p>
+                      <a:pPr algn="ctr" latinLnBrk="1"/>
+                      <a:r>
+                        <a:rPr lang="ko-KR" altLang="en-US" sz="1600" dirty="0"/>
+                        <a:t>애니메이션</a:t>
+                      </a:r>
+                    </a:p>
+                  </a:txBody>
+                  <a:tcPr/>
+                </a:tc>
+                <a:tc>
+                  <a:txBody>
+                    <a:bodyPr/>
+                    <a:lstStyle/>
+                    <a:p>
+                      <a:pPr algn="ctr" latinLnBrk="1"/>
+                      <a:r>
+                        <a:rPr lang="ko-KR" altLang="en-US" sz="1600" dirty="0"/>
+                        <a:t>기본 컨트롤 모션 제공</a:t>
+                      </a:r>
+                    </a:p>
+                  </a:txBody>
+                  <a:tcPr/>
+                </a:tc>
+                <a:tc>
+                  <a:txBody>
+                    <a:bodyPr/>
+                    <a:lstStyle/>
+                    <a:p>
+                      <a:pPr algn="ctr" latinLnBrk="1"/>
+                      <a:r>
+                        <a:rPr lang="ko-KR" altLang="en-US" sz="1600" dirty="0"/>
+                        <a:t>스킬 샷 모션 제공 </a:t>
+                      </a:r>
+                    </a:p>
+                  </a:txBody>
+                  <a:tcPr/>
+                </a:tc>
+                <a:extLst>
+                  <a:ext uri="{0D108BD9-81ED-4DB2-BD59-A6C34878D82A}">
+                    <a16:rowId xmlns:a16="http://schemas.microsoft.com/office/drawing/2014/main" val="2665232167"/>
+                  </a:ext>
+                </a:extLst>
+              </a:tr>
+              <a:tr h="1860283">
+                <a:tc>
+                  <a:txBody>
+                    <a:bodyPr/>
+                    <a:lstStyle/>
+                    <a:p>
+                      <a:pPr algn="ctr" latinLnBrk="1"/>
+                      <a:endParaRPr lang="en-US" altLang="ko-KR" sz="1600" dirty="0"/>
+                    </a:p>
+                    <a:p>
+                      <a:pPr algn="ctr" latinLnBrk="1"/>
+                      <a:endParaRPr lang="en-US" altLang="ko-KR" sz="1600" dirty="0"/>
+                    </a:p>
+                    <a:p>
+                      <a:pPr algn="ctr" latinLnBrk="1"/>
+                      <a:endParaRPr lang="en-US" altLang="ko-KR" sz="1600" dirty="0"/>
+                    </a:p>
+                    <a:p>
+                      <a:pPr algn="ctr" latinLnBrk="1"/>
+                      <a:r>
+                        <a:rPr lang="ko-KR" altLang="en-US" sz="1600" dirty="0"/>
+                        <a:t>게임 기능</a:t>
+                      </a:r>
+                    </a:p>
+                  </a:txBody>
+                  <a:tcPr/>
+                </a:tc>
+                <a:tc gridSpan="2">
+                  <a:txBody>
+                    <a:bodyPr/>
+                    <a:lstStyle/>
+                    <a:p>
+                      <a:pPr algn="ctr" latinLnBrk="1"/>
+                      <a:endParaRPr lang="en-US" altLang="ko-KR" sz="1600" b="0" dirty="0"/>
+                    </a:p>
+                    <a:p>
+                      <a:pPr marL="342900" indent="-342900" algn="ctr" latinLnBrk="1">
+                        <a:buAutoNum type="arabicPeriod"/>
+                      </a:pPr>
+                      <a:r>
+                        <a:rPr lang="ko-KR" altLang="en-US" sz="1600" b="0" dirty="0"/>
+                        <a:t>점수 획득 시 </a:t>
+                      </a:r>
+                      <a:r>
+                        <a:rPr lang="ko-KR" altLang="en-US" sz="1600" b="0" strike="sngStrike" dirty="0">
+                          <a:solidFill>
+                            <a:srgbClr val="FF0000"/>
+                          </a:solidFill>
+                        </a:rPr>
+                        <a:t>스킬 게이지 </a:t>
+                      </a:r>
+                      <a:r>
+                        <a:rPr lang="en-US" altLang="ko-KR" sz="1600" b="0" strike="sngStrike" dirty="0">
+                          <a:solidFill>
+                            <a:srgbClr val="FF0000"/>
+                          </a:solidFill>
+                        </a:rPr>
+                        <a:t>-&gt; </a:t>
+                      </a:r>
+                      <a:r>
+                        <a:rPr lang="ko-KR" altLang="en-US" sz="1600" b="1" strike="noStrike" dirty="0">
+                          <a:solidFill>
+                            <a:srgbClr val="002060"/>
+                          </a:solidFill>
+                        </a:rPr>
+                        <a:t>스킬 포인트 </a:t>
+                      </a:r>
+                      <a:r>
+                        <a:rPr lang="ko-KR" altLang="en-US" sz="1600" b="0" dirty="0"/>
+                        <a:t>증가</a:t>
+                      </a:r>
+                      <a:endParaRPr lang="en-US" altLang="ko-KR" sz="1600" b="0" strike="noStrike" dirty="0">
+                        <a:solidFill>
+                          <a:schemeClr val="dk1"/>
+                        </a:solidFill>
+                      </a:endParaRPr>
+                    </a:p>
+                    <a:p>
+                      <a:pPr marL="342900" indent="-342900" algn="ctr" latinLnBrk="1">
+                        <a:buAutoNum type="arabicPeriod"/>
+                      </a:pPr>
+                      <a:r>
+                        <a:rPr lang="ko-KR" altLang="en-US" sz="1600" b="1" strike="noStrike" dirty="0">
+                          <a:solidFill>
+                            <a:srgbClr val="002060"/>
+                          </a:solidFill>
+                        </a:rPr>
+                        <a:t>시간의 지남에 따른 스킬 포인트 증가</a:t>
+                      </a:r>
+                      <a:endParaRPr lang="en-US" altLang="ko-KR" sz="1600" b="1" strike="sngStrike" dirty="0">
+                        <a:solidFill>
+                          <a:srgbClr val="002060"/>
+                        </a:solidFill>
+                      </a:endParaRPr>
+                    </a:p>
+                    <a:p>
+                      <a:pPr algn="ctr" latinLnBrk="1"/>
+                      <a:r>
+                        <a:rPr lang="en-US" altLang="ko-KR" sz="1600" b="0" strike="sngStrike" dirty="0">
+                          <a:solidFill>
+                            <a:srgbClr val="FF0000"/>
+                          </a:solidFill>
+                        </a:rPr>
+                        <a:t>2. </a:t>
+                      </a:r>
+                      <a:r>
+                        <a:rPr lang="ko-KR" altLang="en-US" sz="1600" b="0" strike="sngStrike" dirty="0">
+                          <a:solidFill>
+                            <a:srgbClr val="FF0000"/>
+                          </a:solidFill>
+                        </a:rPr>
+                        <a:t>상대 공격 방어 시 스킬 게이지 증가</a:t>
+                      </a:r>
+                      <a:endParaRPr lang="en-US" altLang="ko-KR" sz="1600" b="0" strike="sngStrike" dirty="0">
+                        <a:solidFill>
+                          <a:srgbClr val="FF0000"/>
+                        </a:solidFill>
+                      </a:endParaRPr>
+                    </a:p>
+                    <a:p>
+                      <a:pPr algn="ctr" latinLnBrk="1"/>
+                      <a:r>
+                        <a:rPr lang="en-US" altLang="ko-KR" sz="1600" b="0" strike="sngStrike" dirty="0">
+                          <a:solidFill>
+                            <a:srgbClr val="FF0000"/>
+                          </a:solidFill>
+                        </a:rPr>
+                        <a:t>3. </a:t>
+                      </a:r>
+                      <a:r>
+                        <a:rPr lang="ko-KR" altLang="en-US" sz="1600" b="0" strike="sngStrike" dirty="0">
+                          <a:solidFill>
+                            <a:srgbClr val="FF0000"/>
+                          </a:solidFill>
+                        </a:rPr>
+                        <a:t>스킬 사용 실패 시 스킬 게이지 </a:t>
+                      </a:r>
+                      <a:r>
+                        <a:rPr lang="en-US" altLang="ko-KR" sz="1600" b="0" strike="sngStrike" dirty="0">
+                          <a:solidFill>
+                            <a:srgbClr val="FF0000"/>
+                          </a:solidFill>
+                        </a:rPr>
+                        <a:t>50% </a:t>
+                      </a:r>
+                      <a:r>
+                        <a:rPr lang="ko-KR" altLang="en-US" sz="1600" b="0" strike="sngStrike" dirty="0">
+                          <a:solidFill>
+                            <a:srgbClr val="FF0000"/>
+                          </a:solidFill>
+                        </a:rPr>
+                        <a:t>보존</a:t>
+                      </a:r>
+                      <a:endParaRPr lang="en-US" altLang="ko-KR" sz="1600" b="0" strike="sngStrike" dirty="0">
+                        <a:solidFill>
+                          <a:srgbClr val="FF0000"/>
+                        </a:solidFill>
+                      </a:endParaRPr>
+                    </a:p>
+                    <a:p>
+                      <a:pPr algn="ctr" latinLnBrk="1"/>
+                      <a:r>
+                        <a:rPr lang="en-US" altLang="ko-KR" sz="1600" b="0" dirty="0"/>
+                        <a:t>3.</a:t>
+                      </a:r>
+                      <a:r>
+                        <a:rPr lang="ko-KR" altLang="en-US" sz="1600" b="0" dirty="0"/>
+                        <a:t> 이단 점프 및 슬라이딩 등 연속 사용 불가</a:t>
+                      </a:r>
+                      <a:endParaRPr lang="en-US" altLang="ko-KR" sz="1600" b="0" dirty="0"/>
+                    </a:p>
+                    <a:p>
+                      <a:pPr algn="ctr" latinLnBrk="1"/>
+                      <a:r>
+                        <a:rPr lang="en-US" altLang="ko-KR" sz="1600" b="0" dirty="0"/>
+                        <a:t>4. </a:t>
+                      </a:r>
+                      <a:r>
+                        <a:rPr lang="ko-KR" altLang="en-US" sz="1600" b="0" dirty="0"/>
+                        <a:t>스킬 </a:t>
+                      </a:r>
+                      <a:r>
+                        <a:rPr lang="ko-KR" altLang="en-US" sz="1600" b="0" dirty="0" err="1"/>
+                        <a:t>이팩트</a:t>
+                      </a:r>
+                      <a:r>
+                        <a:rPr lang="ko-KR" altLang="en-US" sz="1600" b="0" dirty="0"/>
+                        <a:t> 정교화</a:t>
+                      </a:r>
+                    </a:p>
+                  </a:txBody>
+                  <a:tcPr/>
+                </a:tc>
+                <a:tc hMerge="1">
+                  <a:txBody>
+                    <a:bodyPr/>
+                    <a:lstStyle/>
+                    <a:p>
+                      <a:pPr algn="ctr" latinLnBrk="1"/>
+                      <a:endParaRPr lang="ko-KR" altLang="en-US" sz="1600" dirty="0"/>
+                    </a:p>
+                  </a:txBody>
+                  <a:tcPr/>
+                </a:tc>
+                <a:extLst>
+                  <a:ext uri="{0D108BD9-81ED-4DB2-BD59-A6C34878D82A}">
+                    <a16:rowId xmlns:a16="http://schemas.microsoft.com/office/drawing/2014/main" val="2456092773"/>
+                  </a:ext>
+                </a:extLst>
+              </a:tr>
+            </a:tbl>
+          </a:graphicData>
+        </a:graphic>
+      </p:graphicFrame>
     </p:spTree>
     <p:extLst>
       <p:ext uri="{BB962C8B-B14F-4D97-AF65-F5344CB8AC3E}">
@@ -5395,8 +4984,8 @@
               <a:t>약 </a:t>
             </a:r>
             <a:r>
-              <a:rPr lang="en-US" altLang="ko-KR" sz="2800" dirty="0"/>
-              <a:t>88%</a:t>
+              <a:rPr lang="en-US" altLang="ko-KR" sz="2800"/>
+              <a:t>86%</a:t>
             </a:r>
             <a:endParaRPr lang="ko-KR" altLang="en-US" sz="2800" dirty="0"/>
           </a:p>
@@ -5417,7 +5006,7 @@
           <p:nvPr>
             <p:extLst>
               <p:ext uri="{D42A27DB-BD31-4B8C-83A1-F6EECF244321}">
-                <p14:modId xmlns:p14="http://schemas.microsoft.com/office/powerpoint/2010/main" val="2549758420"/>
+                <p14:modId xmlns:p14="http://schemas.microsoft.com/office/powerpoint/2010/main" val="4255502408"/>
               </p:ext>
             </p:extLst>
           </p:nvPr>
@@ -5585,7 +5174,7 @@
                       <a:pPr algn="ctr" latinLnBrk="1"/>
                       <a:r>
                         <a:rPr lang="en-US" altLang="ko-KR" sz="1200" b="1" dirty="0"/>
-                        <a:t>80%</a:t>
+                        <a:t>75%</a:t>
                       </a:r>
                       <a:endParaRPr lang="ko-KR" altLang="en-US" sz="1200" b="1" dirty="0"/>
                     </a:p>
@@ -6483,7 +6072,23 @@
                             <a:srgbClr val="FF0000"/>
                           </a:solidFill>
                         </a:rPr>
-                        <a:t>: X</a:t>
+                        <a:t>: X(8</a:t>
+                      </a:r>
+                      <a:r>
+                        <a:rPr lang="ko-KR" altLang="en-US" sz="1000" b="1" dirty="0">
+                          <a:solidFill>
+                            <a:srgbClr val="FF0000"/>
+                          </a:solidFill>
+                        </a:rPr>
+                        <a:t>주차</a:t>
+                      </a:r>
+                      <a:r>
+                        <a:rPr lang="en-US" altLang="ko-KR" sz="1000" b="1" dirty="0">
+                          <a:solidFill>
+                            <a:srgbClr val="FF0000"/>
+                          </a:solidFill>
+                        </a:rPr>
+                        <a:t>)</a:t>
                       </a:r>
                       <a:endParaRPr lang="ko-KR" altLang="en-US" sz="1000" b="1" dirty="0">
                         <a:solidFill>
@@ -6668,7 +6273,7 @@
                       <a:pPr algn="ctr" latinLnBrk="1"/>
                       <a:r>
                         <a:rPr lang="en-US" altLang="ko-KR" sz="1200" b="1" dirty="0"/>
-                        <a:t>75%</a:t>
+                        <a:t>70%</a:t>
                       </a:r>
                       <a:endParaRPr lang="ko-KR" altLang="en-US" sz="1200" b="1" dirty="0"/>
                     </a:p>
@@ -6799,7 +6404,23 @@
                             <a:srgbClr val="FF0000"/>
                           </a:solidFill>
                         </a:rPr>
-                        <a:t>X</a:t>
+                        <a:t>X(9</a:t>
+                      </a:r>
+                      <a:r>
+                        <a:rPr lang="ko-KR" altLang="en-US" sz="1000" b="1" dirty="0">
+                          <a:solidFill>
+                            <a:srgbClr val="FF0000"/>
+                          </a:solidFill>
+                        </a:rPr>
+                        <a:t>주차</a:t>
+                      </a:r>
+                      <a:r>
+                        <a:rPr lang="en-US" altLang="ko-KR" sz="1000" b="1" dirty="0">
+                          <a:solidFill>
+                            <a:srgbClr val="FF0000"/>
+                          </a:solidFill>
+                        </a:rPr>
+                        <a:t>)</a:t>
                       </a:r>
                       <a:endParaRPr lang="ko-KR" altLang="en-US" sz="1000" b="1" dirty="0">
                         <a:solidFill>
@@ -7415,6 +7036,36 @@
           </a:p>
         </p:txBody>
       </p:sp>
+      <p:pic>
+        <p:nvPicPr>
+          <p:cNvPr id="3" name="그림 2">
+            <a:extLst>
+              <a:ext uri="{FF2B5EF4-FFF2-40B4-BE49-F238E27FC236}">
+                <a16:creationId xmlns:a16="http://schemas.microsoft.com/office/drawing/2014/main" id="{86C399BD-581E-01FC-D286-4AA8280B2404}"/>
+              </a:ext>
+            </a:extLst>
+          </p:cNvPr>
+          <p:cNvPicPr>
+            <a:picLocks noChangeAspect="1"/>
+          </p:cNvPicPr>
+          <p:nvPr/>
+        </p:nvPicPr>
+        <p:blipFill>
+          <a:blip r:embed="rId2"/>
+          <a:stretch>
+            <a:fillRect/>
+          </a:stretch>
+        </p:blipFill>
+        <p:spPr>
+          <a:xfrm>
+            <a:off x="377072" y="840698"/>
+            <a:ext cx="11111294" cy="5176603"/>
+          </a:xfrm>
+          <a:prstGeom prst="rect">
+            <a:avLst/>
+          </a:prstGeom>
+        </p:spPr>
+      </p:pic>
     </p:spTree>
     <p:extLst>
       <p:ext uri="{BB962C8B-B14F-4D97-AF65-F5344CB8AC3E}">
